--- a/Presentation.pptx
+++ b/Presentation.pptx
@@ -4767,6 +4767,61 @@
           </a:p>
         </p:txBody>
       </p:sp>
+      <p:sp>
+        <p:nvSpPr>
+          <p:cNvPr id="175" name="Name : Botla Jignesh"/>
+          <p:cNvSpPr txBox="1"/>
+          <p:nvPr/>
+        </p:nvSpPr>
+        <p:spPr>
+          <a:xfrm>
+            <a:off x="1270000" y="9886550"/>
+            <a:ext cx="21844000" cy="1776016"/>
+          </a:xfrm>
+          <a:prstGeom prst="rect">
+            <a:avLst/>
+          </a:prstGeom>
+          <a:ln w="12700">
+            <a:miter lim="400000"/>
+          </a:ln>
+          <a:extLst>
+            <a:ext uri="{C572A759-6A51-4108-AA02-DFA0A04FC94B}">
+              <ma14:wrappingTextBoxFlag xmlns:ma14="http://schemas.microsoft.com/office/mac/drawingml/2011/main" val="1"/>
+            </a:ext>
+          </a:extLst>
+        </p:spPr>
+        <p:txBody>
+          <a:bodyPr lIns="50800" tIns="50800" rIns="50800" bIns="50800">
+            <a:normAutofit fontScale="100000" lnSpcReduction="0"/>
+          </a:bodyPr>
+          <a:lstStyle/>
+          <a:p>
+            <a:pPr algn="ctr" defTabSz="825500">
+              <a:spcBef>
+                <a:spcPts val="0"/>
+              </a:spcBef>
+              <a:defRPr sz="3500">
+                <a:solidFill>
+                  <a:srgbClr val="D5D5D5"/>
+                </a:solidFill>
+                <a:latin typeface="Graphik Medium"/>
+                <a:ea typeface="Graphik Medium"/>
+                <a:cs typeface="Graphik Medium"/>
+                <a:sym typeface="Graphik Medium"/>
+              </a:defRPr>
+            </a:pPr>
+            <a:r>
+              <a:t>Name : </a:t>
+            </a:r>
+            <a:r>
+              <a:rPr u="sng">
+                <a:hlinkClick r:id="rId3" invalidUrl="" action="" tgtFrame="" tooltip="" history="1" highlightClick="0" endSnd="0"/>
+              </a:rPr>
+              <a:t>Botla Jignesh</a:t>
+            </a:r>
+          </a:p>
+        </p:txBody>
+      </p:sp>
     </p:spTree>
   </p:cSld>
   <p:clrMapOvr>
@@ -4795,7 +4850,7 @@
       </p:grpSpPr>
       <p:sp>
         <p:nvSpPr>
-          <p:cNvPr id="206" name="Ensemble learning:…"/>
+          <p:cNvPr id="207" name="Ensemble learning:…"/>
           <p:cNvSpPr txBox="1"/>
           <p:nvPr/>
         </p:nvSpPr>
@@ -4930,7 +4985,7 @@
       </p:sp>
       <p:pic>
         <p:nvPicPr>
-          <p:cNvPr id="207" name="PNG image.png" descr="PNG image.png"/>
+          <p:cNvPr id="208" name="PNG image.png" descr="PNG image.png"/>
           <p:cNvPicPr>
             <a:picLocks noChangeAspect="1"/>
           </p:cNvPicPr>
@@ -4985,7 +5040,7 @@
       </p:grpSpPr>
       <p:sp>
         <p:nvSpPr>
-          <p:cNvPr id="209" name="References"/>
+          <p:cNvPr id="210" name="References"/>
           <p:cNvSpPr txBox="1"/>
           <p:nvPr>
             <p:ph type="title"/>
@@ -5025,7 +5080,7 @@
       </p:sp>
       <p:sp>
         <p:nvSpPr>
-          <p:cNvPr id="210" name="Minz Won, Janne Spijkervet, Keunwoo Choi &quot;Music Classification: Beyond Supervised Learning, Towards Real-world Application&quot;…"/>
+          <p:cNvPr id="211" name="Minz Won, Janne Spijkervet, Keunwoo Choi &quot;Music Classification: Beyond Supervised Learning, Towards Real-world Application&quot;…"/>
           <p:cNvSpPr txBox="1"/>
           <p:nvPr>
             <p:ph type="body" idx="21"/>
@@ -5097,7 +5152,7 @@
       </p:sp>
       <p:sp>
         <p:nvSpPr>
-          <p:cNvPr id="211" name="NOTE :…"/>
+          <p:cNvPr id="212" name="NOTE :…"/>
           <p:cNvSpPr txBox="1"/>
           <p:nvPr>
             <p:ph type="body" sz="half" idx="1"/>
@@ -5213,7 +5268,7 @@
       </p:grpSpPr>
       <p:sp>
         <p:nvSpPr>
-          <p:cNvPr id="176" name="Genre classification using supervised learning"/>
+          <p:cNvPr id="177" name="Genre classification using supervised learning"/>
           <p:cNvSpPr txBox="1"/>
           <p:nvPr>
             <p:ph type="title"/>
@@ -5258,7 +5313,7 @@
       </p:sp>
       <p:sp>
         <p:nvSpPr>
-          <p:cNvPr id="177" name="Firstly, there are implemented supervised learning genre classification models (DNN, CNN) with different sub-categories of their implementations.…"/>
+          <p:cNvPr id="178" name="Firstly, there are implemented supervised learning genre classification models (DNN, CNN) with different sub-categories of their implementations.…"/>
           <p:cNvSpPr txBox="1"/>
           <p:nvPr/>
         </p:nvSpPr>
@@ -5409,7 +5464,7 @@
       </p:grpSpPr>
       <p:sp>
         <p:nvSpPr>
-          <p:cNvPr id="179" name="FCN without data slicing:…"/>
+          <p:cNvPr id="180" name="FCN with data augmentation:…"/>
           <p:cNvSpPr txBox="1"/>
           <p:nvPr/>
         </p:nvSpPr>
@@ -5449,7 +5504,7 @@
             </a:pPr>
             <a:r>
               <a:rPr u="sng"/>
-              <a:t>FCN without data slicing</a:t>
+              <a:t>FCN with data augmentation</a:t>
             </a:r>
             <a:r>
               <a:t>:</a:t>
@@ -5468,7 +5523,7 @@
               <a:defRPr sz="3936"/>
             </a:pPr>
             <a:r>
-              <a:t>Dataset contains song of each 30 seconds is directly fed into the model by converting them into spectrograms.</a:t>
+              <a:t>To expose the model to new data we use augmentation techniques, here i have fed the reversed data(basically a reversed song) to the model to feed on new data.</a:t>
             </a:r>
           </a:p>
           <a:p>
@@ -5490,10 +5545,10 @@
               <a:rPr u="sng">
                 <a:hlinkClick r:id="rId2" invalidUrl="" action="" tgtFrame="" tooltip="" history="1" highlightClick="0" endSnd="0"/>
               </a:rPr>
-              <a:t>92.12 %</a:t>
-            </a:r>
-            <a:r>
-              <a:t> which is more than all the existing models.</a:t>
+              <a:t>75 %</a:t>
+            </a:r>
+            <a:r>
+              <a:t> which is more than few of the existing models.</a:t>
             </a:r>
           </a:p>
           <a:p>
@@ -5510,10 +5565,7 @@
             </a:pPr>
             <a:r>
               <a:rPr u="sng"/>
-              <a:t>FCN without data augmentation</a:t>
-            </a:r>
-            <a:r>
-              <a:t>:</a:t>
+              <a:t>FCN with data slicing:</a:t>
             </a:r>
           </a:p>
           <a:p>
@@ -5529,7 +5581,7 @@
               <a:defRPr sz="3936"/>
             </a:pPr>
             <a:r>
-              <a:t>To expose the model to new data we use augmentation techniques, here i have fed the reversed data(basically a reversed song) to the model to feed on new data.</a:t>
+              <a:t>As deep learning models require large data to be trained on we try to divide the each song in the dataset into 10 slices of 3 second each.</a:t>
             </a:r>
           </a:p>
           <a:p>
@@ -5571,7 +5623,10 @@
             </a:pPr>
             <a:r>
               <a:rPr u="sng"/>
-              <a:t>FCN with data slicing:</a:t>
+              <a:t>FCN without data slicing</a:t>
+            </a:r>
+            <a:r>
+              <a:t>:</a:t>
             </a:r>
           </a:p>
           <a:p>
@@ -5587,7 +5642,7 @@
               <a:defRPr sz="3936"/>
             </a:pPr>
             <a:r>
-              <a:t>As deep learning models require large data to be trained on we try to divide the each song in the dataset into 10 slices of 3 second each.</a:t>
+              <a:t>Dataset contains song of each 30 seconds is directly fed into the model by converting them into spectrograms.</a:t>
             </a:r>
           </a:p>
           <a:p>
@@ -5609,17 +5664,17 @@
               <a:rPr u="sng">
                 <a:hlinkClick r:id="rId2" invalidUrl="" action="" tgtFrame="" tooltip="" history="1" highlightClick="0" endSnd="0"/>
               </a:rPr>
-              <a:t>75 %</a:t>
-            </a:r>
-            <a:r>
-              <a:t> which is more than few of the existing models.</a:t>
+              <a:t>92.12 %</a:t>
+            </a:r>
+            <a:r>
+              <a:t> which is more than all the existing models.</a:t>
             </a:r>
           </a:p>
         </p:txBody>
       </p:sp>
       <p:pic>
         <p:nvPicPr>
-          <p:cNvPr id="180" name="pasted-movie.png" descr="pasted-movie.png"/>
+          <p:cNvPr id="181" name="pasted-movie.png" descr="pasted-movie.png"/>
           <p:cNvPicPr>
             <a:picLocks noChangeAspect="1"/>
           </p:cNvPicPr>
@@ -5636,37 +5691,8 @@
         </p:blipFill>
         <p:spPr>
           <a:xfrm>
-            <a:off x="15865839" y="123795"/>
+            <a:off x="15817752" y="9452690"/>
             <a:ext cx="7900450" cy="4342939"/>
-          </a:xfrm>
-          <a:prstGeom prst="rect">
-            <a:avLst/>
-          </a:prstGeom>
-          <a:ln w="12700">
-            <a:miter lim="400000"/>
-          </a:ln>
-        </p:spPr>
-      </p:pic>
-      <p:pic>
-        <p:nvPicPr>
-          <p:cNvPr id="181" name="pasted-movie.png" descr="pasted-movie.png"/>
-          <p:cNvPicPr>
-            <a:picLocks noChangeAspect="1"/>
-          </p:cNvPicPr>
-          <p:nvPr/>
-        </p:nvPicPr>
-        <p:blipFill>
-          <a:blip r:embed="rId4">
-            <a:extLst/>
-          </a:blip>
-          <a:stretch>
-            <a:fillRect/>
-          </a:stretch>
-        </p:blipFill>
-        <p:spPr>
-          <a:xfrm>
-            <a:off x="15863549" y="8678423"/>
-            <a:ext cx="6526179" cy="4972328"/>
           </a:xfrm>
           <a:prstGeom prst="rect">
             <a:avLst/>
@@ -5685,6 +5711,35 @@
           <p:nvPr/>
         </p:nvPicPr>
         <p:blipFill>
+          <a:blip r:embed="rId4">
+            <a:extLst/>
+          </a:blip>
+          <a:stretch>
+            <a:fillRect/>
+          </a:stretch>
+        </p:blipFill>
+        <p:spPr>
+          <a:xfrm>
+            <a:off x="15839506" y="167009"/>
+            <a:ext cx="6526178" cy="4972327"/>
+          </a:xfrm>
+          <a:prstGeom prst="rect">
+            <a:avLst/>
+          </a:prstGeom>
+          <a:ln w="12700">
+            <a:miter lim="400000"/>
+          </a:ln>
+        </p:spPr>
+      </p:pic>
+      <p:pic>
+        <p:nvPicPr>
+          <p:cNvPr id="183" name="pasted-movie.png" descr="pasted-movie.png"/>
+          <p:cNvPicPr>
+            <a:picLocks noChangeAspect="1"/>
+          </p:cNvPicPr>
+          <p:nvPr/>
+        </p:nvPicPr>
+        <p:blipFill>
           <a:blip r:embed="rId5">
             <a:extLst/>
           </a:blip>
@@ -5694,7 +5749,7 @@
         </p:blipFill>
         <p:spPr>
           <a:xfrm>
-            <a:off x="15876868" y="4499610"/>
+            <a:off x="15828781" y="5222997"/>
             <a:ext cx="5441627" cy="4146002"/>
           </a:xfrm>
           <a:prstGeom prst="rect">
@@ -5733,7 +5788,7 @@
       </p:grpSpPr>
       <p:sp>
         <p:nvSpPr>
-          <p:cNvPr id="184" name="Short chunk CNN:…"/>
+          <p:cNvPr id="185" name="Short chunk CNN:…"/>
           <p:cNvSpPr txBox="1"/>
           <p:nvPr/>
         </p:nvSpPr>
@@ -5993,7 +6048,7 @@
       </p:grpSpPr>
       <p:sp>
         <p:nvSpPr>
-          <p:cNvPr id="186" name="Genre classification using Semi-supervised learning"/>
+          <p:cNvPr id="187" name="Genre classification using Semi-supervised learning"/>
           <p:cNvSpPr txBox="1"/>
           <p:nvPr>
             <p:ph type="body" sz="quarter" idx="1"/>
@@ -6025,7 +6080,7 @@
       </p:sp>
       <p:sp>
         <p:nvSpPr>
-          <p:cNvPr id="187" name="Since it is semi-supervised learning we generate pseudo-unlabeled data by augmentation process.…"/>
+          <p:cNvPr id="188" name="Since it is semi-supervised learning we generate pseudo-unlabeled data by augmentation process.…"/>
           <p:cNvSpPr txBox="1"/>
           <p:nvPr/>
         </p:nvSpPr>
@@ -6220,7 +6275,7 @@
       </p:grpSpPr>
       <p:sp>
         <p:nvSpPr>
-          <p:cNvPr id="189" name="Knowledge expansion and distillation(KED):…"/>
+          <p:cNvPr id="190" name="Knowledge expansion and distillation(KED):…"/>
           <p:cNvSpPr txBox="1"/>
           <p:nvPr/>
         </p:nvSpPr>
@@ -6296,7 +6351,7 @@
       </p:sp>
       <p:pic>
         <p:nvPicPr>
-          <p:cNvPr id="190" name="PNG image.png" descr="PNG image.png"/>
+          <p:cNvPr id="191" name="PNG image.png" descr="PNG image.png"/>
           <p:cNvPicPr>
             <a:picLocks noChangeAspect="1"/>
           </p:cNvPicPr>
@@ -6351,7 +6406,7 @@
       </p:grpSpPr>
       <p:sp>
         <p:nvSpPr>
-          <p:cNvPr id="192" name="Genre classification using Ensemble learning"/>
+          <p:cNvPr id="193" name="Genre classification using Ensemble learning"/>
           <p:cNvSpPr txBox="1"/>
           <p:nvPr>
             <p:ph type="body" sz="quarter" idx="1"/>
@@ -6395,7 +6450,7 @@
       </p:sp>
       <p:sp>
         <p:nvSpPr>
-          <p:cNvPr id="193" name="According to the paper for the Music information retrieval(MIR) first we need to do music feature classification.…"/>
+          <p:cNvPr id="194" name="According to the paper for the Music information retrieval(MIR) first we need to do music feature classification.…"/>
           <p:cNvSpPr txBox="1"/>
           <p:nvPr/>
         </p:nvSpPr>
@@ -6470,7 +6525,7 @@
       </p:sp>
       <p:pic>
         <p:nvPicPr>
-          <p:cNvPr id="194" name="PNG image.png" descr="PNG image.png"/>
+          <p:cNvPr id="195" name="PNG image.png" descr="PNG image.png"/>
           <p:cNvPicPr>
             <a:picLocks noChangeAspect="1"/>
           </p:cNvPicPr>
@@ -6499,7 +6554,7 @@
       </p:pic>
       <p:sp>
         <p:nvSpPr>
-          <p:cNvPr id="195" name="LSTM model for vocal extraction:…"/>
+          <p:cNvPr id="196" name="LSTM model for vocal extraction:…"/>
           <p:cNvSpPr txBox="1"/>
           <p:nvPr/>
         </p:nvSpPr>
@@ -6592,7 +6647,7 @@
       </p:grpSpPr>
       <p:sp>
         <p:nvSpPr>
-          <p:cNvPr id="197" name="From the following confusion matrix we can get the accuracy as “72.76 %”."/>
+          <p:cNvPr id="198" name="From the following confusion matrix we can get the accuracy as “72.76 %”."/>
           <p:cNvSpPr txBox="1"/>
           <p:nvPr/>
         </p:nvSpPr>
@@ -6643,7 +6698,7 @@
       </p:sp>
       <p:pic>
         <p:nvPicPr>
-          <p:cNvPr id="198" name="PNG image.png" descr="PNG image.png"/>
+          <p:cNvPr id="199" name="PNG image.png" descr="PNG image.png"/>
           <p:cNvPicPr>
             <a:picLocks noChangeAspect="1"/>
           </p:cNvPicPr>
@@ -6672,7 +6727,7 @@
       </p:pic>
       <p:sp>
         <p:nvSpPr>
-          <p:cNvPr id="199" name="Equation"/>
+          <p:cNvPr id="200" name="Equation"/>
           <p:cNvSpPr txBox="1"/>
           <p:nvPr/>
         </p:nvSpPr>
@@ -6785,7 +6840,7 @@
       </p:sp>
       <p:sp>
         <p:nvSpPr>
-          <p:cNvPr id="200" name="= ~ 72.76%…"/>
+          <p:cNvPr id="201" name="= ~ 72.76%…"/>
           <p:cNvSpPr txBox="1"/>
           <p:nvPr/>
         </p:nvSpPr>
@@ -6886,7 +6941,7 @@
       </p:grpSpPr>
       <p:sp>
         <p:nvSpPr>
-          <p:cNvPr id="202" name="Accompaniment(CNN):…"/>
+          <p:cNvPr id="203" name="Accompaniment(CNN):…"/>
           <p:cNvSpPr txBox="1"/>
           <p:nvPr/>
         </p:nvSpPr>
@@ -6953,7 +7008,7 @@
       </p:sp>
       <p:pic>
         <p:nvPicPr>
-          <p:cNvPr id="203" name="PNG image.png" descr="PNG image.png"/>
+          <p:cNvPr id="204" name="PNG image.png" descr="PNG image.png"/>
           <p:cNvPicPr>
             <a:picLocks noChangeAspect="1"/>
           </p:cNvPicPr>
@@ -6982,7 +7037,7 @@
       </p:pic>
       <p:sp>
         <p:nvSpPr>
-          <p:cNvPr id="204" name="From the following confusion matrix we can get the accuracy as “74.7%” which is reasonably higher performance.…"/>
+          <p:cNvPr id="205" name="From the following confusion matrix we can get the accuracy as “74.7%” which is reasonably higher performance.…"/>
           <p:cNvSpPr txBox="1"/>
           <p:nvPr/>
         </p:nvSpPr>
